--- a/home.pptx
+++ b/home.pptx
@@ -242,7 +242,7 @@
           <a:p>
             <a:fld id="{782D2DAD-C772-44C9-83C0-4B01E41BAC92}" type="datetimeFigureOut">
               <a:rPr lang="en-US" smtClean="0"/>
-              <a:t>10/8/2022</a:t>
+              <a:t>10/14/2022</a:t>
             </a:fld>
             <a:endParaRPr lang="en-US"/>
           </a:p>
@@ -640,7 +640,7 @@
           <a:p>
             <a:fld id="{A8E365F1-B7A1-44F6-A19D-C7EE4EA945F7}" type="datetimeFigureOut">
               <a:rPr lang="en-US" smtClean="0"/>
-              <a:t>10/8/2022</a:t>
+              <a:t>10/14/2022</a:t>
             </a:fld>
             <a:endParaRPr lang="en-US"/>
           </a:p>
@@ -810,7 +810,7 @@
           <a:p>
             <a:fld id="{A8E365F1-B7A1-44F6-A19D-C7EE4EA945F7}" type="datetimeFigureOut">
               <a:rPr lang="en-US" smtClean="0"/>
-              <a:t>10/8/2022</a:t>
+              <a:t>10/14/2022</a:t>
             </a:fld>
             <a:endParaRPr lang="en-US"/>
           </a:p>
@@ -990,7 +990,7 @@
           <a:p>
             <a:fld id="{A8E365F1-B7A1-44F6-A19D-C7EE4EA945F7}" type="datetimeFigureOut">
               <a:rPr lang="en-US" smtClean="0"/>
-              <a:t>10/8/2022</a:t>
+              <a:t>10/14/2022</a:t>
             </a:fld>
             <a:endParaRPr lang="en-US"/>
           </a:p>
@@ -1160,7 +1160,7 @@
           <a:p>
             <a:fld id="{A8E365F1-B7A1-44F6-A19D-C7EE4EA945F7}" type="datetimeFigureOut">
               <a:rPr lang="en-US" smtClean="0"/>
-              <a:t>10/8/2022</a:t>
+              <a:t>10/14/2022</a:t>
             </a:fld>
             <a:endParaRPr lang="en-US"/>
           </a:p>
@@ -1406,7 +1406,7 @@
           <a:p>
             <a:fld id="{A8E365F1-B7A1-44F6-A19D-C7EE4EA945F7}" type="datetimeFigureOut">
               <a:rPr lang="en-US" smtClean="0"/>
-              <a:t>10/8/2022</a:t>
+              <a:t>10/14/2022</a:t>
             </a:fld>
             <a:endParaRPr lang="en-US"/>
           </a:p>
@@ -1638,7 +1638,7 @@
           <a:p>
             <a:fld id="{A8E365F1-B7A1-44F6-A19D-C7EE4EA945F7}" type="datetimeFigureOut">
               <a:rPr lang="en-US" smtClean="0"/>
-              <a:t>10/8/2022</a:t>
+              <a:t>10/14/2022</a:t>
             </a:fld>
             <a:endParaRPr lang="en-US"/>
           </a:p>
@@ -2005,7 +2005,7 @@
           <a:p>
             <a:fld id="{A8E365F1-B7A1-44F6-A19D-C7EE4EA945F7}" type="datetimeFigureOut">
               <a:rPr lang="en-US" smtClean="0"/>
-              <a:t>10/8/2022</a:t>
+              <a:t>10/14/2022</a:t>
             </a:fld>
             <a:endParaRPr lang="en-US"/>
           </a:p>
@@ -2123,7 +2123,7 @@
           <a:p>
             <a:fld id="{A8E365F1-B7A1-44F6-A19D-C7EE4EA945F7}" type="datetimeFigureOut">
               <a:rPr lang="en-US" smtClean="0"/>
-              <a:t>10/8/2022</a:t>
+              <a:t>10/14/2022</a:t>
             </a:fld>
             <a:endParaRPr lang="en-US"/>
           </a:p>
@@ -2218,7 +2218,7 @@
           <a:p>
             <a:fld id="{A8E365F1-B7A1-44F6-A19D-C7EE4EA945F7}" type="datetimeFigureOut">
               <a:rPr lang="en-US" smtClean="0"/>
-              <a:t>10/8/2022</a:t>
+              <a:t>10/14/2022</a:t>
             </a:fld>
             <a:endParaRPr lang="en-US"/>
           </a:p>
@@ -2495,7 +2495,7 @@
           <a:p>
             <a:fld id="{A8E365F1-B7A1-44F6-A19D-C7EE4EA945F7}" type="datetimeFigureOut">
               <a:rPr lang="en-US" smtClean="0"/>
-              <a:t>10/8/2022</a:t>
+              <a:t>10/14/2022</a:t>
             </a:fld>
             <a:endParaRPr lang="en-US"/>
           </a:p>
@@ -2752,7 +2752,7 @@
           <a:p>
             <a:fld id="{A8E365F1-B7A1-44F6-A19D-C7EE4EA945F7}" type="datetimeFigureOut">
               <a:rPr lang="en-US" smtClean="0"/>
-              <a:t>10/8/2022</a:t>
+              <a:t>10/14/2022</a:t>
             </a:fld>
             <a:endParaRPr lang="en-US"/>
           </a:p>
@@ -2965,7 +2965,7 @@
           <a:p>
             <a:fld id="{A8E365F1-B7A1-44F6-A19D-C7EE4EA945F7}" type="datetimeFigureOut">
               <a:rPr lang="en-US" smtClean="0"/>
-              <a:t>10/8/2022</a:t>
+              <a:t>10/14/2022</a:t>
             </a:fld>
             <a:endParaRPr lang="en-US"/>
           </a:p>
@@ -3449,8 +3449,8 @@
         </p:nvSpPr>
         <p:spPr>
           <a:xfrm>
-            <a:off x="720357" y="874643"/>
-            <a:ext cx="8825948" cy="923330"/>
+            <a:off x="4982979" y="928732"/>
+            <a:ext cx="5941701" cy="4096634"/>
           </a:xfrm>
           <a:prstGeom prst="rect">
             <a:avLst/>
@@ -3463,6 +3463,22 @@
           </a:bodyPr>
           <a:lstStyle/>
           <a:p>
+            <a:r>
+              <a:rPr lang="en-IN" sz="2000" b="1" dirty="0"/>
+              <a:t>QBasic Programs</a:t>
+            </a:r>
+            <a:endParaRPr lang="en-IN" dirty="0">
+              <a:hlinkClick r:id="rId2" action="ppaction://hlinksldjump"/>
+            </a:endParaRPr>
+          </a:p>
+          <a:p>
+            <a:pPr marL="285750" indent="-285750">
+              <a:lnSpc>
+                <a:spcPct val="150000"/>
+              </a:lnSpc>
+              <a:buFont typeface="Arial" panose="020B0604020202020204" pitchFamily="34" charset="0"/>
+              <a:buChar char="•"/>
+            </a:pPr>
             <a:r>
               <a:rPr lang="en-IN" dirty="0">
                 <a:hlinkClick r:id="rId2" action="ppaction://hlinksldjump"/>
@@ -3472,35 +3488,131 @@
             <a:endParaRPr lang="en-IN" dirty="0"/>
           </a:p>
           <a:p>
-            <a:endParaRPr lang="en-IN" dirty="0"/>
-          </a:p>
-          <a:p>
+            <a:pPr marL="285750" indent="-285750">
+              <a:lnSpc>
+                <a:spcPct val="150000"/>
+              </a:lnSpc>
+              <a:buFont typeface="Arial" panose="020B0604020202020204" pitchFamily="34" charset="0"/>
+              <a:buChar char="•"/>
+            </a:pPr>
             <a:r>
               <a:rPr lang="en-IN" dirty="0">
                 <a:hlinkClick r:id="rId3" action="ppaction://hlinksldjump"/>
               </a:rPr>
-              <a:t>Math Questions Game by </a:t>
-            </a:r>
-            <a:r>
-              <a:rPr lang="en-IN" dirty="0" err="1">
-                <a:hlinkClick r:id="rId3" action="ppaction://hlinksldjump"/>
+              <a:t>Math Questions Game by Soumesh</a:t>
+            </a:r>
+            <a:endParaRPr lang="en-IN" dirty="0"/>
+          </a:p>
+          <a:p>
+            <a:pPr marL="285750" indent="-285750">
+              <a:lnSpc>
+                <a:spcPct val="150000"/>
+              </a:lnSpc>
+              <a:buFont typeface="Arial" panose="020B0604020202020204" pitchFamily="34" charset="0"/>
+              <a:buChar char="•"/>
+            </a:pPr>
+            <a:r>
+              <a:rPr lang="en-US" dirty="0">
+                <a:hlinkClick r:id="rId4" action="ppaction://hlinksldjump"/>
               </a:rPr>
-              <a:t>Soumesh</a:t>
-            </a:r>
-            <a:endParaRPr lang="en-US" dirty="0"/>
-          </a:p>
-        </p:txBody>
-      </p:sp>
-      <p:sp>
-        <p:nvSpPr>
-          <p:cNvPr id="2" name="TextBox 1"/>
+              <a:t>Rock paper Scissor game by Soumesh</a:t>
+            </a:r>
+            <a:endParaRPr lang="en-US" dirty="0"/>
+          </a:p>
+          <a:p>
+            <a:pPr marL="285750" indent="-285750">
+              <a:lnSpc>
+                <a:spcPct val="150000"/>
+              </a:lnSpc>
+              <a:buFont typeface="Arial" panose="020B0604020202020204" pitchFamily="34" charset="0"/>
+              <a:buChar char="•"/>
+            </a:pPr>
+            <a:r>
+              <a:rPr lang="en-US" dirty="0">
+                <a:hlinkClick r:id="rId5" action="ppaction://hlinksldjump"/>
+              </a:rPr>
+              <a:t>Calculator by Soumesh </a:t>
+            </a:r>
+            <a:endParaRPr lang="en-US" dirty="0"/>
+          </a:p>
+          <a:p>
+            <a:pPr marL="285750" indent="-285750">
+              <a:lnSpc>
+                <a:spcPct val="150000"/>
+              </a:lnSpc>
+              <a:buFont typeface="Arial" panose="020B0604020202020204" pitchFamily="34" charset="0"/>
+              <a:buChar char="•"/>
+            </a:pPr>
+            <a:r>
+              <a:rPr lang="en-US" dirty="0">
+                <a:hlinkClick r:id="rId6" action="ppaction://hlinksldjump"/>
+              </a:rPr>
+              <a:t>Write a program to print name, roll no and class using input statement</a:t>
+            </a:r>
+            <a:endParaRPr lang="en-US" dirty="0"/>
+          </a:p>
+          <a:p>
+            <a:pPr marL="285750" indent="-285750">
+              <a:lnSpc>
+                <a:spcPct val="150000"/>
+              </a:lnSpc>
+              <a:buFont typeface="Arial" panose="020B0604020202020204" pitchFamily="34" charset="0"/>
+              <a:buChar char="•"/>
+            </a:pPr>
+            <a:r>
+              <a:rPr lang="en-US" dirty="0">
+                <a:hlinkClick r:id="rId7" action="ppaction://hlinksldjump"/>
+              </a:rPr>
+              <a:t>Write a program to get the addition of 2 numbers</a:t>
+            </a:r>
+            <a:endParaRPr lang="en-US" dirty="0"/>
+          </a:p>
+          <a:p>
+            <a:pPr marL="285750" indent="-285750">
+              <a:lnSpc>
+                <a:spcPct val="150000"/>
+              </a:lnSpc>
+              <a:buFont typeface="Arial" panose="020B0604020202020204" pitchFamily="34" charset="0"/>
+              <a:buChar char="•"/>
+            </a:pPr>
+            <a:r>
+              <a:rPr lang="en-US" dirty="0">
+                <a:hlinkClick r:id="rId8" action="ppaction://hlinksldjump"/>
+              </a:rPr>
+              <a:t>Gorillas game</a:t>
+            </a:r>
+            <a:endParaRPr lang="en-US" dirty="0"/>
+          </a:p>
+          <a:p>
+            <a:pPr marL="285750" indent="-285750">
+              <a:lnSpc>
+                <a:spcPct val="150000"/>
+              </a:lnSpc>
+              <a:buFont typeface="Arial" panose="020B0604020202020204" pitchFamily="34" charset="0"/>
+              <a:buChar char="•"/>
+            </a:pPr>
+            <a:r>
+              <a:rPr lang="en-US" dirty="0">
+                <a:hlinkClick r:id="rId9" action="ppaction://hlinksldjump"/>
+              </a:rPr>
+              <a:t>Try your luck</a:t>
+            </a:r>
+            <a:endParaRPr lang="en-US" dirty="0"/>
+          </a:p>
+        </p:txBody>
+      </p:sp>
+      <p:sp>
+        <p:nvSpPr>
+          <p:cNvPr id="8" name="TextBox 7">
+            <a:hlinkClick r:id="rId10"/>
+          </p:cNvPr>
           <p:cNvSpPr txBox="1"/>
           <p:nvPr/>
         </p:nvSpPr>
         <p:spPr>
           <a:xfrm>
-            <a:off x="720357" y="1797973"/>
-            <a:ext cx="3705869" cy="369332"/>
+            <a:off x="1473420" y="5559936"/>
+            <a:ext cx="6188766" cy="369332"/>
           </a:xfrm>
           <a:prstGeom prst="rect">
             <a:avLst/>
@@ -3515,272 +3627,28 @@
           <a:p>
             <a:r>
               <a:rPr lang="en-US" dirty="0">
-                <a:hlinkClick r:id="rId4" action="ppaction://hlinksldjump"/>
+                <a:hlinkClick r:id="rId10"/>
               </a:rPr>
-              <a:t>Rock paper Scissor game by </a:t>
-            </a:r>
-            <a:r>
-              <a:rPr lang="en-US" dirty="0" err="1">
-                <a:hlinkClick r:id="rId4" action="ppaction://hlinksldjump"/>
+              <a:t>I also made some games on </a:t>
+            </a:r>
+            <a:r>
+              <a:rPr lang="en-US" dirty="0">
+                <a:hlinkClick r:id="rId10"/>
               </a:rPr>
-              <a:t>Soumesh</a:t>
-            </a:r>
-            <a:endParaRPr lang="en-US" dirty="0"/>
-          </a:p>
-        </p:txBody>
-      </p:sp>
-      <p:sp>
-        <p:nvSpPr>
-          <p:cNvPr id="5" name="TextBox 4"/>
-          <p:cNvSpPr txBox="1"/>
-          <p:nvPr/>
-        </p:nvSpPr>
-        <p:spPr>
-          <a:xfrm>
-            <a:off x="720357" y="2167305"/>
-            <a:ext cx="3458818" cy="369332"/>
-          </a:xfrm>
-          <a:prstGeom prst="rect">
-            <a:avLst/>
-          </a:prstGeom>
-          <a:noFill/>
-        </p:spPr>
-        <p:txBody>
-          <a:bodyPr wrap="square" rtlCol="0">
-            <a:spAutoFit/>
-          </a:bodyPr>
-          <a:lstStyle/>
-          <a:p>
+              <a:t>scratch</a:t>
+            </a:r>
             <a:r>
               <a:rPr lang="en-US" dirty="0">
-                <a:hlinkClick r:id="rId5" action="ppaction://hlinksldjump"/>
-              </a:rPr>
-              <a:t>Calculator by </a:t>
-            </a:r>
-            <a:r>
-              <a:rPr lang="en-US" dirty="0" err="1">
-                <a:hlinkClick r:id="rId5" action="ppaction://hlinksldjump"/>
-              </a:rPr>
-              <a:t>Soumesh</a:t>
-            </a:r>
-            <a:r>
-              <a:rPr lang="en-US" dirty="0">
-                <a:hlinkClick r:id="rId5" action="ppaction://hlinksldjump"/>
+                <a:hlinkClick r:id="rId10"/>
               </a:rPr>
               <a:t> </a:t>
             </a:r>
-            <a:endParaRPr lang="en-US" dirty="0"/>
-          </a:p>
-        </p:txBody>
-      </p:sp>
-      <p:sp>
-        <p:nvSpPr>
-          <p:cNvPr id="6" name="TextBox 5"/>
-          <p:cNvSpPr txBox="1"/>
-          <p:nvPr/>
-        </p:nvSpPr>
-        <p:spPr>
-          <a:xfrm>
-            <a:off x="709474" y="2884072"/>
-            <a:ext cx="5084095" cy="369332"/>
-          </a:xfrm>
-          <a:prstGeom prst="rect">
-            <a:avLst/>
-          </a:prstGeom>
-          <a:noFill/>
-        </p:spPr>
-        <p:txBody>
-          <a:bodyPr wrap="square" rtlCol="0">
-            <a:spAutoFit/>
-          </a:bodyPr>
-          <a:lstStyle/>
-          <a:p>
-            <a:r>
-              <a:rPr lang="en-US" dirty="0">
-                <a:hlinkClick r:id="rId6" action="ppaction://hlinksldjump"/>
-              </a:rPr>
-              <a:t>Write a program to get the addition of 2 numbers</a:t>
-            </a:r>
-            <a:endParaRPr lang="en-US" dirty="0"/>
-          </a:p>
-        </p:txBody>
-      </p:sp>
-      <p:sp>
-        <p:nvSpPr>
-          <p:cNvPr id="7" name="TextBox 6"/>
-          <p:cNvSpPr txBox="1"/>
-          <p:nvPr/>
-        </p:nvSpPr>
-        <p:spPr>
-          <a:xfrm>
-            <a:off x="709474" y="2525689"/>
-            <a:ext cx="6939401" cy="369332"/>
-          </a:xfrm>
-          <a:prstGeom prst="rect">
-            <a:avLst/>
-          </a:prstGeom>
-          <a:noFill/>
-        </p:spPr>
-        <p:txBody>
-          <a:bodyPr wrap="square" rtlCol="0">
-            <a:spAutoFit/>
-          </a:bodyPr>
-          <a:lstStyle/>
-          <a:p>
-            <a:r>
-              <a:rPr lang="en-US" dirty="0">
-                <a:hlinkClick r:id="rId7" action="ppaction://hlinksldjump"/>
-              </a:rPr>
-              <a:t> Write a program to print name, roll no and class using input statement</a:t>
-            </a:r>
-            <a:endParaRPr lang="en-US" dirty="0"/>
-          </a:p>
-        </p:txBody>
-      </p:sp>
-      <p:sp>
-        <p:nvSpPr>
-          <p:cNvPr id="8" name="TextBox 7">
-            <a:hlinkClick r:id="rId8"/>
-          </p:cNvPr>
-          <p:cNvSpPr txBox="1"/>
-          <p:nvPr/>
-        </p:nvSpPr>
-        <p:spPr>
-          <a:xfrm>
-            <a:off x="720355" y="5675959"/>
-            <a:ext cx="6188766" cy="369332"/>
-          </a:xfrm>
-          <a:prstGeom prst="rect">
-            <a:avLst/>
-          </a:prstGeom>
-          <a:noFill/>
-        </p:spPr>
-        <p:txBody>
-          <a:bodyPr wrap="square" rtlCol="0">
-            <a:spAutoFit/>
-          </a:bodyPr>
-          <a:lstStyle/>
-          <a:p>
-            <a:r>
-              <a:rPr lang="en-US" dirty="0">
-                <a:hlinkClick r:id="rId8"/>
-              </a:rPr>
-              <a:t>I also made some games on scratch</a:t>
-            </a:r>
             <a:r>
               <a:rPr lang="en-US" dirty="0">
                 <a:sym typeface="Wingdings" panose="05000000000000000000" pitchFamily="2" charset="2"/>
-                <a:hlinkClick r:id="rId8"/>
+                <a:hlinkClick r:id="rId10"/>
               </a:rPr>
               <a:t></a:t>
-            </a:r>
-            <a:endParaRPr lang="en-US" dirty="0"/>
-          </a:p>
-        </p:txBody>
-      </p:sp>
-      <p:sp>
-        <p:nvSpPr>
-          <p:cNvPr id="3" name="TextBox 2"/>
-          <p:cNvSpPr txBox="1"/>
-          <p:nvPr/>
-        </p:nvSpPr>
-        <p:spPr>
-          <a:xfrm>
-            <a:off x="720355" y="3264353"/>
-            <a:ext cx="5693697" cy="369332"/>
-          </a:xfrm>
-          <a:prstGeom prst="rect">
-            <a:avLst/>
-          </a:prstGeom>
-          <a:noFill/>
-        </p:spPr>
-        <p:txBody>
-          <a:bodyPr wrap="square" rtlCol="0">
-            <a:spAutoFit/>
-          </a:bodyPr>
-          <a:lstStyle/>
-          <a:p>
-            <a:r>
-              <a:rPr lang="en-US" dirty="0">
-                <a:hlinkClick r:id="rId9" action="ppaction://hlinksldjump"/>
-              </a:rPr>
-              <a:t>Gorillas game</a:t>
-            </a:r>
-            <a:endParaRPr lang="en-US" dirty="0"/>
-          </a:p>
-        </p:txBody>
-      </p:sp>
-      <p:sp>
-        <p:nvSpPr>
-          <p:cNvPr id="9" name="TextBox 8"/>
-          <p:cNvSpPr txBox="1"/>
-          <p:nvPr/>
-        </p:nvSpPr>
-        <p:spPr>
-          <a:xfrm>
-            <a:off x="709474" y="3633685"/>
-            <a:ext cx="8569419" cy="369332"/>
-          </a:xfrm>
-          <a:prstGeom prst="rect">
-            <a:avLst/>
-          </a:prstGeom>
-          <a:noFill/>
-        </p:spPr>
-        <p:txBody>
-          <a:bodyPr wrap="square" rtlCol="0">
-            <a:spAutoFit/>
-          </a:bodyPr>
-          <a:lstStyle/>
-          <a:p>
-            <a:r>
-              <a:rPr lang="en-US" dirty="0">
-                <a:hlinkClick r:id="rId10" action="ppaction://hlinksldjump"/>
-              </a:rPr>
-              <a:t>Try your luck</a:t>
-            </a:r>
-            <a:endParaRPr lang="en-US" dirty="0"/>
-          </a:p>
-        </p:txBody>
-      </p:sp>
-      <p:sp>
-        <p:nvSpPr>
-          <p:cNvPr id="10" name="TextBox 9">
-            <a:extLst>
-              <a:ext uri="{FF2B5EF4-FFF2-40B4-BE49-F238E27FC236}">
-                <a16:creationId xmlns:a16="http://schemas.microsoft.com/office/drawing/2014/main" id="{72C8C31B-9A3C-B313-04EC-84E84E3942AC}"/>
-              </a:ext>
-            </a:extLst>
-          </p:cNvPr>
-          <p:cNvSpPr txBox="1"/>
-          <p:nvPr/>
-        </p:nvSpPr>
-        <p:spPr>
-          <a:xfrm>
-            <a:off x="720355" y="4024913"/>
-            <a:ext cx="8569419" cy="369332"/>
-          </a:xfrm>
-          <a:prstGeom prst="rect">
-            <a:avLst/>
-          </a:prstGeom>
-          <a:noFill/>
-        </p:spPr>
-        <p:txBody>
-          <a:bodyPr wrap="square" rtlCol="0">
-            <a:spAutoFit/>
-          </a:bodyPr>
-          <a:lstStyle/>
-          <a:p>
-            <a:r>
-              <a:rPr lang="en-US" dirty="0">
-                <a:hlinkClick r:id="rId11" action="ppaction://hlinkfile"/>
-              </a:rPr>
-              <a:t>HTML/CSS Calculator by </a:t>
-            </a:r>
-            <a:r>
-              <a:rPr lang="en-US" dirty="0" err="1">
-                <a:hlinkClick r:id="rId11" action="ppaction://hlinkfile"/>
-              </a:rPr>
-              <a:t>Soumesh</a:t>
             </a:r>
             <a:endParaRPr lang="en-US" dirty="0"/>
           </a:p>
@@ -3800,8 +3668,8 @@
         </p:nvSpPr>
         <p:spPr>
           <a:xfrm>
-            <a:off x="720350" y="4398989"/>
-            <a:ext cx="8569419" cy="369332"/>
+            <a:off x="406246" y="783498"/>
+            <a:ext cx="4267354" cy="1757532"/>
           </a:xfrm>
           <a:prstGeom prst="rect">
             <a:avLst/>
@@ -3814,22 +3682,105 @@
           </a:bodyPr>
           <a:lstStyle/>
           <a:p>
+            <a:pPr>
+              <a:lnSpc>
+                <a:spcPct val="150000"/>
+              </a:lnSpc>
+            </a:pPr>
+            <a:r>
+              <a:rPr lang="en-US" sz="2000" b="1" dirty="0"/>
+              <a:t>HTML Projects</a:t>
+            </a:r>
+            <a:endParaRPr lang="en-US" sz="2000" b="1" dirty="0">
+              <a:hlinkClick r:id="rId11" action="ppaction://hlinkfile"/>
+            </a:endParaRPr>
+          </a:p>
+          <a:p>
+            <a:pPr marL="285750" indent="-285750">
+              <a:lnSpc>
+                <a:spcPct val="150000"/>
+              </a:lnSpc>
+              <a:buFont typeface="Arial" panose="020B0604020202020204" pitchFamily="34" charset="0"/>
+              <a:buChar char="•"/>
+            </a:pPr>
+            <a:r>
+              <a:rPr lang="en-US" dirty="0">
+                <a:hlinkClick r:id="rId11" action="ppaction://hlinkfile"/>
+              </a:rPr>
+              <a:t>HTML/CSS Calculator by Soumesh</a:t>
+            </a:r>
+            <a:endParaRPr lang="en-US" dirty="0"/>
+          </a:p>
+          <a:p>
+            <a:pPr marL="285750" indent="-285750">
+              <a:lnSpc>
+                <a:spcPct val="150000"/>
+              </a:lnSpc>
+              <a:buFont typeface="Arial" panose="020B0604020202020204" pitchFamily="34" charset="0"/>
+              <a:buChar char="•"/>
+            </a:pPr>
             <a:r>
               <a:rPr lang="en-US" dirty="0">
                 <a:hlinkClick r:id="rId12"/>
               </a:rPr>
-              <a:t>HTML/CSS Portfolio Project by </a:t>
-            </a:r>
-            <a:r>
-              <a:rPr lang="en-US" dirty="0" err="1">
-                <a:hlinkClick r:id="rId12"/>
+              <a:t>HTML/CSS Portfolio Project by Soumesh</a:t>
+            </a:r>
+            <a:endParaRPr lang="en-US" dirty="0"/>
+          </a:p>
+          <a:p>
+            <a:pPr marL="285750" indent="-285750">
+              <a:lnSpc>
+                <a:spcPct val="150000"/>
+              </a:lnSpc>
+              <a:buFont typeface="Arial" panose="020B0604020202020204" pitchFamily="34" charset="0"/>
+              <a:buChar char="•"/>
+            </a:pPr>
+            <a:r>
+              <a:rPr lang="en-US" dirty="0">
+                <a:hlinkClick r:id="rId13" action="ppaction://hlinkfile"/>
               </a:rPr>
-              <a:t>Soumesh</a:t>
-            </a:r>
-            <a:endParaRPr lang="en-US" dirty="0"/>
-          </a:p>
-        </p:txBody>
-      </p:sp>
+              <a:t>CSS Glass Animation by Soumesh</a:t>
+            </a:r>
+            <a:endParaRPr lang="en-US" dirty="0"/>
+          </a:p>
+        </p:txBody>
+      </p:sp>
+      <p:pic>
+        <p:nvPicPr>
+          <p:cNvPr id="13" name="Picture 12">
+            <a:extLst>
+              <a:ext uri="{FF2B5EF4-FFF2-40B4-BE49-F238E27FC236}">
+                <a16:creationId xmlns:a16="http://schemas.microsoft.com/office/drawing/2014/main" id="{EECD6AB0-FEAF-9501-6B88-5694749AD79B}"/>
+              </a:ext>
+            </a:extLst>
+          </p:cNvPr>
+          <p:cNvPicPr>
+            <a:picLocks noChangeAspect="1"/>
+          </p:cNvPicPr>
+          <p:nvPr/>
+        </p:nvPicPr>
+        <p:blipFill>
+          <a:blip r:embed="rId14">
+            <a:extLst>
+              <a:ext uri="{28A0092B-C50C-407E-A947-70E740481C1C}">
+                <a14:useLocalDpi xmlns:a14="http://schemas.microsoft.com/office/drawing/2010/main" val="0"/>
+              </a:ext>
+            </a:extLst>
+          </a:blip>
+          <a:stretch>
+            <a:fillRect/>
+          </a:stretch>
+        </p:blipFill>
+        <p:spPr>
+          <a:xfrm>
+            <a:off x="508000" y="5611696"/>
+            <a:ext cx="965420" cy="317572"/>
+          </a:xfrm>
+          <a:prstGeom prst="rect">
+            <a:avLst/>
+          </a:prstGeom>
+        </p:spPr>
+      </p:pic>
     </p:spTree>
     <p:extLst>
       <p:ext uri="{BB962C8B-B14F-4D97-AF65-F5344CB8AC3E}">
@@ -6450,19 +6401,7 @@
               <a:rPr lang="en-US" dirty="0">
                 <a:latin typeface="Lucida Console" panose="020B0609040504020204" pitchFamily="49" charset="0"/>
               </a:rPr>
-              <a:t>Rem                                                                  </a:t>
-            </a:r>
-            <a:r>
-              <a:rPr lang="en-US" dirty="0" err="1">
-                <a:latin typeface="Lucida Console" panose="020B0609040504020204" pitchFamily="49" charset="0"/>
-              </a:rPr>
-              <a:t>Soumesh</a:t>
-            </a:r>
-            <a:r>
-              <a:rPr lang="en-US" dirty="0">
-                <a:latin typeface="Lucida Console" panose="020B0609040504020204" pitchFamily="49" charset="0"/>
-              </a:rPr>
-              <a:t> Dutta</a:t>
+              <a:t>Rem                                                                  Soumesh Dutta</a:t>
             </a:r>
           </a:p>
           <a:p>
@@ -6913,15 +6852,7 @@
           <a:p>
             <a:r>
               <a:rPr lang="en-US" dirty="0"/>
-              <a:t>Rem                                                                     </a:t>
-            </a:r>
-            <a:r>
-              <a:rPr lang="en-US" dirty="0" err="1"/>
-              <a:t>Soumesh</a:t>
-            </a:r>
-            <a:r>
-              <a:rPr lang="en-US" dirty="0"/>
-              <a:t> Dutta</a:t>
+              <a:t>Rem                                                                     Soumesh Dutta</a:t>
             </a:r>
           </a:p>
           <a:p>
@@ -7241,15 +7172,7 @@
           <a:p>
             <a:r>
               <a:rPr lang="en-US" dirty="0"/>
-              <a:t>Rem                                                                    </a:t>
-            </a:r>
-            <a:r>
-              <a:rPr lang="en-US" dirty="0" err="1"/>
-              <a:t>Soumesh</a:t>
-            </a:r>
-            <a:r>
-              <a:rPr lang="en-US" dirty="0"/>
-              <a:t> Dutta</a:t>
+              <a:t>Rem                                                                    Soumesh Dutta</a:t>
             </a:r>
           </a:p>
           <a:p>
@@ -7278,15 +7201,7 @@
             </a:r>
             <a:r>
               <a:rPr lang="en-US" dirty="0"/>
-              <a:t> Made by </a:t>
-            </a:r>
-            <a:r>
-              <a:rPr lang="en-US" dirty="0" err="1"/>
-              <a:t>Soumesh</a:t>
-            </a:r>
-            <a:r>
-              <a:rPr lang="en-US" dirty="0"/>
-              <a:t> Dutta"</a:t>
+              <a:t> Made by Soumesh Dutta"</a:t>
             </a:r>
           </a:p>
           <a:p>
